--- a/Chapter_4/GarbageCollection.pptx
+++ b/Chapter_4/GarbageCollection.pptx
@@ -4,6 +4,14 @@
   <p:sldMasterIdLst>
     <p:sldMasterId id="2147483648" r:id="rId1"/>
   </p:sldMasterIdLst>
+  <p:sldIdLst>
+    <p:sldId id="256" r:id="rId2"/>
+    <p:sldId id="257" r:id="rId3"/>
+    <p:sldId id="258" r:id="rId4"/>
+    <p:sldId id="259" r:id="rId5"/>
+    <p:sldId id="260" r:id="rId6"/>
+    <p:sldId id="261" r:id="rId7"/>
+  </p:sldIdLst>
   <p:sldSz cx="9144000" cy="6858000" type="screen4x3"/>
   <p:notesSz cx="6858000" cy="9144000"/>
   <p:defaultTextStyle>
@@ -286,7 +294,7 @@
             <a:fld id="{1D8BD707-D9CF-40AE-B4C6-C98DA3205C09}" type="datetimeFigureOut">
               <a:rPr lang="en-US" smtClean="0"/>
               <a:pPr/>
-              <a:t>9/18/2006</a:t>
+              <a:t>5/20/2022</a:t>
             </a:fld>
             <a:endParaRPr lang="en-US"/>
           </a:p>
@@ -453,7 +461,7 @@
             <a:fld id="{1D8BD707-D9CF-40AE-B4C6-C98DA3205C09}" type="datetimeFigureOut">
               <a:rPr lang="en-US" smtClean="0"/>
               <a:pPr/>
-              <a:t>9/18/2006</a:t>
+              <a:t>5/20/2022</a:t>
             </a:fld>
             <a:endParaRPr lang="en-US"/>
           </a:p>
@@ -630,7 +638,7 @@
             <a:fld id="{1D8BD707-D9CF-40AE-B4C6-C98DA3205C09}" type="datetimeFigureOut">
               <a:rPr lang="en-US" smtClean="0"/>
               <a:pPr/>
-              <a:t>9/18/2006</a:t>
+              <a:t>5/20/2022</a:t>
             </a:fld>
             <a:endParaRPr lang="en-US"/>
           </a:p>
@@ -797,7 +805,7 @@
             <a:fld id="{1D8BD707-D9CF-40AE-B4C6-C98DA3205C09}" type="datetimeFigureOut">
               <a:rPr lang="en-US" smtClean="0"/>
               <a:pPr/>
-              <a:t>9/18/2006</a:t>
+              <a:t>5/20/2022</a:t>
             </a:fld>
             <a:endParaRPr lang="en-US"/>
           </a:p>
@@ -1040,7 +1048,7 @@
             <a:fld id="{1D8BD707-D9CF-40AE-B4C6-C98DA3205C09}" type="datetimeFigureOut">
               <a:rPr lang="en-US" smtClean="0"/>
               <a:pPr/>
-              <a:t>9/18/2006</a:t>
+              <a:t>5/20/2022</a:t>
             </a:fld>
             <a:endParaRPr lang="en-US"/>
           </a:p>
@@ -1325,7 +1333,7 @@
             <a:fld id="{1D8BD707-D9CF-40AE-B4C6-C98DA3205C09}" type="datetimeFigureOut">
               <a:rPr lang="en-US" smtClean="0"/>
               <a:pPr/>
-              <a:t>9/18/2006</a:t>
+              <a:t>5/20/2022</a:t>
             </a:fld>
             <a:endParaRPr lang="en-US"/>
           </a:p>
@@ -1744,7 +1752,7 @@
             <a:fld id="{1D8BD707-D9CF-40AE-B4C6-C98DA3205C09}" type="datetimeFigureOut">
               <a:rPr lang="en-US" smtClean="0"/>
               <a:pPr/>
-              <a:t>9/18/2006</a:t>
+              <a:t>5/20/2022</a:t>
             </a:fld>
             <a:endParaRPr lang="en-US"/>
           </a:p>
@@ -1859,7 +1867,7 @@
             <a:fld id="{1D8BD707-D9CF-40AE-B4C6-C98DA3205C09}" type="datetimeFigureOut">
               <a:rPr lang="en-US" smtClean="0"/>
               <a:pPr/>
-              <a:t>9/18/2006</a:t>
+              <a:t>5/20/2022</a:t>
             </a:fld>
             <a:endParaRPr lang="en-US"/>
           </a:p>
@@ -1951,7 +1959,7 @@
             <a:fld id="{1D8BD707-D9CF-40AE-B4C6-C98DA3205C09}" type="datetimeFigureOut">
               <a:rPr lang="en-US" smtClean="0"/>
               <a:pPr/>
-              <a:t>9/18/2006</a:t>
+              <a:t>5/20/2022</a:t>
             </a:fld>
             <a:endParaRPr lang="en-US"/>
           </a:p>
@@ -2225,7 +2233,7 @@
             <a:fld id="{1D8BD707-D9CF-40AE-B4C6-C98DA3205C09}" type="datetimeFigureOut">
               <a:rPr lang="en-US" smtClean="0"/>
               <a:pPr/>
-              <a:t>9/18/2006</a:t>
+              <a:t>5/20/2022</a:t>
             </a:fld>
             <a:endParaRPr lang="en-US"/>
           </a:p>
@@ -2475,7 +2483,7 @@
             <a:fld id="{1D8BD707-D9CF-40AE-B4C6-C98DA3205C09}" type="datetimeFigureOut">
               <a:rPr lang="en-US" smtClean="0"/>
               <a:pPr/>
-              <a:t>9/18/2006</a:t>
+              <a:t>5/20/2022</a:t>
             </a:fld>
             <a:endParaRPr lang="en-US"/>
           </a:p>
@@ -2685,7 +2693,7 @@
             <a:fld id="{1D8BD707-D9CF-40AE-B4C6-C98DA3205C09}" type="datetimeFigureOut">
               <a:rPr lang="en-US" smtClean="0"/>
               <a:pPr/>
-              <a:t>9/18/2006</a:t>
+              <a:t>5/20/2022</a:t>
             </a:fld>
             <a:endParaRPr lang="en-US"/>
           </a:p>
@@ -3037,6 +3045,462 @@
     </p:otherStyle>
   </p:txStyles>
 </p:sldMaster>
+</file>
+
+<file path=ppt/slides/slide1.xml><?xml version="1.0" encoding="utf-8"?>
+<p:sld xmlns:a="http://schemas.openxmlformats.org/drawingml/2006/main" xmlns:r="http://schemas.openxmlformats.org/officeDocument/2006/relationships" xmlns:p="http://schemas.openxmlformats.org/presentationml/2006/main">
+  <p:cSld>
+    <p:spTree>
+      <p:nvGrpSpPr>
+        <p:cNvPr id="1" name=""/>
+        <p:cNvGrpSpPr/>
+        <p:nvPr/>
+      </p:nvGrpSpPr>
+      <p:grpSpPr>
+        <a:xfrm>
+          <a:off x="0" y="0"/>
+          <a:ext cx="0" cy="0"/>
+          <a:chOff x="0" y="0"/>
+          <a:chExt cx="0" cy="0"/>
+        </a:xfrm>
+      </p:grpSpPr>
+      <p:sp>
+        <p:nvSpPr>
+          <p:cNvPr id="2" name="Title 1"/>
+          <p:cNvSpPr>
+            <a:spLocks noGrp="1"/>
+          </p:cNvSpPr>
+          <p:nvPr>
+            <p:ph type="ctrTitle"/>
+          </p:nvPr>
+        </p:nvSpPr>
+        <p:spPr/>
+        <p:txBody>
+          <a:bodyPr/>
+          <a:lstStyle/>
+          <a:p>
+            <a:endParaRPr lang="en-US"/>
+          </a:p>
+        </p:txBody>
+      </p:sp>
+      <p:sp>
+        <p:nvSpPr>
+          <p:cNvPr id="3" name="Subtitle 2"/>
+          <p:cNvSpPr>
+            <a:spLocks noGrp="1"/>
+          </p:cNvSpPr>
+          <p:nvPr>
+            <p:ph type="subTitle" idx="1"/>
+          </p:nvPr>
+        </p:nvSpPr>
+        <p:spPr/>
+        <p:txBody>
+          <a:bodyPr/>
+          <a:lstStyle/>
+          <a:p>
+            <a:endParaRPr lang="en-US"/>
+          </a:p>
+        </p:txBody>
+      </p:sp>
+    </p:spTree>
+  </p:cSld>
+  <p:clrMapOvr>
+    <a:masterClrMapping/>
+  </p:clrMapOvr>
+</p:sld>
+</file>
+
+<file path=ppt/slides/slide2.xml><?xml version="1.0" encoding="utf-8"?>
+<p:sld xmlns:a="http://schemas.openxmlformats.org/drawingml/2006/main" xmlns:r="http://schemas.openxmlformats.org/officeDocument/2006/relationships" xmlns:p="http://schemas.openxmlformats.org/presentationml/2006/main">
+  <p:cSld>
+    <p:spTree>
+      <p:nvGrpSpPr>
+        <p:cNvPr id="1" name=""/>
+        <p:cNvGrpSpPr/>
+        <p:nvPr/>
+      </p:nvGrpSpPr>
+      <p:grpSpPr>
+        <a:xfrm>
+          <a:off x="0" y="0"/>
+          <a:ext cx="0" cy="0"/>
+          <a:chOff x="0" y="0"/>
+          <a:chExt cx="0" cy="0"/>
+        </a:xfrm>
+      </p:grpSpPr>
+      <p:sp>
+        <p:nvSpPr>
+          <p:cNvPr id="2" name="Title 1"/>
+          <p:cNvSpPr>
+            <a:spLocks noGrp="1"/>
+          </p:cNvSpPr>
+          <p:nvPr>
+            <p:ph type="title"/>
+          </p:nvPr>
+        </p:nvSpPr>
+        <p:spPr/>
+        <p:txBody>
+          <a:bodyPr/>
+          <a:lstStyle/>
+          <a:p>
+            <a:endParaRPr lang="en-US"/>
+          </a:p>
+        </p:txBody>
+      </p:sp>
+      <p:sp>
+        <p:nvSpPr>
+          <p:cNvPr id="3" name="Content Placeholder 2"/>
+          <p:cNvSpPr>
+            <a:spLocks noGrp="1"/>
+          </p:cNvSpPr>
+          <p:nvPr>
+            <p:ph idx="1"/>
+          </p:nvPr>
+        </p:nvSpPr>
+        <p:spPr/>
+        <p:txBody>
+          <a:bodyPr>
+            <a:normAutofit fontScale="92500"/>
+          </a:bodyPr>
+          <a:lstStyle/>
+          <a:p>
+            <a:r>
+              <a:rPr lang="en-US" dirty="0" smtClean="0"/>
+              <a:t>Garbage Collection is process of reclaiming the runtime unused memory automatically. In other words, it is a way to destroy the unused </a:t>
+            </a:r>
+            <a:r>
+              <a:rPr lang="en-US" dirty="0" smtClean="0"/>
+              <a:t>objects</a:t>
+            </a:r>
+          </a:p>
+          <a:p>
+            <a:r>
+              <a:rPr lang="en-US" dirty="0" smtClean="0"/>
+              <a:t>When Java programs run on the JVM, objects are created on the heap, which is a portion of memory dedicated to the program. Eventually, some objects will no longer be needed. The garbage collector finds these unused objects and deletes them to free up memory</a:t>
+            </a:r>
+            <a:endParaRPr lang="en-US" dirty="0"/>
+          </a:p>
+        </p:txBody>
+      </p:sp>
+    </p:spTree>
+  </p:cSld>
+  <p:clrMapOvr>
+    <a:masterClrMapping/>
+  </p:clrMapOvr>
+</p:sld>
+</file>
+
+<file path=ppt/slides/slide3.xml><?xml version="1.0" encoding="utf-8"?>
+<p:sld xmlns:a="http://schemas.openxmlformats.org/drawingml/2006/main" xmlns:r="http://schemas.openxmlformats.org/officeDocument/2006/relationships" xmlns:p="http://schemas.openxmlformats.org/presentationml/2006/main">
+  <p:cSld>
+    <p:spTree>
+      <p:nvGrpSpPr>
+        <p:cNvPr id="1" name=""/>
+        <p:cNvGrpSpPr/>
+        <p:nvPr/>
+      </p:nvGrpSpPr>
+      <p:grpSpPr>
+        <a:xfrm>
+          <a:off x="0" y="0"/>
+          <a:ext cx="0" cy="0"/>
+          <a:chOff x="0" y="0"/>
+          <a:chExt cx="0" cy="0"/>
+        </a:xfrm>
+      </p:grpSpPr>
+      <p:sp>
+        <p:nvSpPr>
+          <p:cNvPr id="2" name="Title 1"/>
+          <p:cNvSpPr>
+            <a:spLocks noGrp="1"/>
+          </p:cNvSpPr>
+          <p:nvPr>
+            <p:ph type="title"/>
+          </p:nvPr>
+        </p:nvSpPr>
+        <p:spPr/>
+        <p:txBody>
+          <a:bodyPr/>
+          <a:lstStyle/>
+          <a:p>
+            <a:r>
+              <a:rPr lang="en-US" dirty="0" smtClean="0"/>
+              <a:t>Advantages</a:t>
+            </a:r>
+            <a:endParaRPr lang="en-US" dirty="0"/>
+          </a:p>
+        </p:txBody>
+      </p:sp>
+      <p:sp>
+        <p:nvSpPr>
+          <p:cNvPr id="3" name="Content Placeholder 2"/>
+          <p:cNvSpPr>
+            <a:spLocks noGrp="1"/>
+          </p:cNvSpPr>
+          <p:nvPr>
+            <p:ph idx="1"/>
+          </p:nvPr>
+        </p:nvSpPr>
+        <p:spPr/>
+        <p:txBody>
+          <a:bodyPr/>
+          <a:lstStyle/>
+          <a:p>
+            <a:r>
+              <a:rPr lang="en-US" dirty="0" smtClean="0"/>
+              <a:t>It makes java </a:t>
+            </a:r>
+            <a:r>
+              <a:rPr lang="en-US" b="1" dirty="0" smtClean="0"/>
+              <a:t>memory efficient</a:t>
+            </a:r>
+            <a:r>
+              <a:rPr lang="en-US" dirty="0" smtClean="0"/>
+              <a:t> because garbage collector removes the unreferenced objects from heap memory.</a:t>
+            </a:r>
+          </a:p>
+          <a:p>
+            <a:r>
+              <a:rPr lang="en-US" dirty="0" smtClean="0"/>
+              <a:t>It is </a:t>
+            </a:r>
+            <a:r>
+              <a:rPr lang="en-US" b="1" dirty="0" smtClean="0"/>
+              <a:t>automatically done</a:t>
+            </a:r>
+            <a:r>
+              <a:rPr lang="en-US" dirty="0" smtClean="0"/>
+              <a:t> by the garbage collector(a part of JVM) so we don't need to make extra efforts.</a:t>
+            </a:r>
+          </a:p>
+          <a:p>
+            <a:endParaRPr lang="en-US" dirty="0"/>
+          </a:p>
+        </p:txBody>
+      </p:sp>
+    </p:spTree>
+  </p:cSld>
+  <p:clrMapOvr>
+    <a:masterClrMapping/>
+  </p:clrMapOvr>
+</p:sld>
+</file>
+
+<file path=ppt/slides/slide4.xml><?xml version="1.0" encoding="utf-8"?>
+<p:sld xmlns:a="http://schemas.openxmlformats.org/drawingml/2006/main" xmlns:r="http://schemas.openxmlformats.org/officeDocument/2006/relationships" xmlns:p="http://schemas.openxmlformats.org/presentationml/2006/main">
+  <p:cSld>
+    <p:spTree>
+      <p:nvGrpSpPr>
+        <p:cNvPr id="1" name=""/>
+        <p:cNvGrpSpPr/>
+        <p:nvPr/>
+      </p:nvGrpSpPr>
+      <p:grpSpPr>
+        <a:xfrm>
+          <a:off x="0" y="0"/>
+          <a:ext cx="0" cy="0"/>
+          <a:chOff x="0" y="0"/>
+          <a:chExt cx="0" cy="0"/>
+        </a:xfrm>
+      </p:grpSpPr>
+      <p:sp>
+        <p:nvSpPr>
+          <p:cNvPr id="2" name="Title 1"/>
+          <p:cNvSpPr>
+            <a:spLocks noGrp="1"/>
+          </p:cNvSpPr>
+          <p:nvPr>
+            <p:ph type="title"/>
+          </p:nvPr>
+        </p:nvSpPr>
+        <p:spPr/>
+        <p:txBody>
+          <a:bodyPr/>
+          <a:lstStyle/>
+          <a:p>
+            <a:r>
+              <a:rPr lang="en-US" dirty="0" err="1" smtClean="0"/>
+              <a:t>Algoritham</a:t>
+            </a:r>
+            <a:endParaRPr lang="en-US" dirty="0"/>
+          </a:p>
+        </p:txBody>
+      </p:sp>
+      <p:sp>
+        <p:nvSpPr>
+          <p:cNvPr id="3" name="Content Placeholder 2"/>
+          <p:cNvSpPr>
+            <a:spLocks noGrp="1"/>
+          </p:cNvSpPr>
+          <p:nvPr>
+            <p:ph idx="1"/>
+          </p:nvPr>
+        </p:nvSpPr>
+        <p:spPr/>
+        <p:txBody>
+          <a:bodyPr/>
+          <a:lstStyle/>
+          <a:p>
+            <a:r>
+              <a:rPr lang="en-US" dirty="0" smtClean="0"/>
+              <a:t>Any garbage collection algorithm must perform 2 basic operations. One, it should be able to detect all the unreachable objects and secondly, it must reclaim the heap space used by the garbage objects and make the space available again to the program</a:t>
+            </a:r>
+            <a:endParaRPr lang="en-US" dirty="0"/>
+          </a:p>
+        </p:txBody>
+      </p:sp>
+    </p:spTree>
+  </p:cSld>
+  <p:clrMapOvr>
+    <a:masterClrMapping/>
+  </p:clrMapOvr>
+</p:sld>
+</file>
+
+<file path=ppt/slides/slide5.xml><?xml version="1.0" encoding="utf-8"?>
+<p:sld xmlns:a="http://schemas.openxmlformats.org/drawingml/2006/main" xmlns:r="http://schemas.openxmlformats.org/officeDocument/2006/relationships" xmlns:p="http://schemas.openxmlformats.org/presentationml/2006/main">
+  <p:cSld>
+    <p:spTree>
+      <p:nvGrpSpPr>
+        <p:cNvPr id="1" name=""/>
+        <p:cNvGrpSpPr/>
+        <p:nvPr/>
+      </p:nvGrpSpPr>
+      <p:grpSpPr>
+        <a:xfrm>
+          <a:off x="0" y="0"/>
+          <a:ext cx="0" cy="0"/>
+          <a:chOff x="0" y="0"/>
+          <a:chExt cx="0" cy="0"/>
+        </a:xfrm>
+      </p:grpSpPr>
+      <p:sp>
+        <p:nvSpPr>
+          <p:cNvPr id="2" name="Title 1"/>
+          <p:cNvSpPr>
+            <a:spLocks noGrp="1"/>
+          </p:cNvSpPr>
+          <p:nvPr>
+            <p:ph type="title"/>
+          </p:nvPr>
+        </p:nvSpPr>
+        <p:spPr/>
+        <p:txBody>
+          <a:bodyPr/>
+          <a:lstStyle/>
+          <a:p>
+            <a:endParaRPr lang="en-US"/>
+          </a:p>
+        </p:txBody>
+      </p:sp>
+      <p:sp>
+        <p:nvSpPr>
+          <p:cNvPr id="3" name="Content Placeholder 2"/>
+          <p:cNvSpPr>
+            <a:spLocks noGrp="1"/>
+          </p:cNvSpPr>
+          <p:nvPr>
+            <p:ph idx="1"/>
+          </p:nvPr>
+        </p:nvSpPr>
+        <p:spPr/>
+        <p:txBody>
+          <a:bodyPr/>
+          <a:lstStyle/>
+          <a:p>
+            <a:pPr fontAlgn="base"/>
+            <a:r>
+              <a:rPr lang="en-US" dirty="0" smtClean="0"/>
+              <a:t>Mark phase</a:t>
+            </a:r>
+          </a:p>
+          <a:p>
+            <a:pPr fontAlgn="base"/>
+            <a:r>
+              <a:rPr lang="en-US" dirty="0" smtClean="0"/>
+              <a:t>Sweep phase</a:t>
+            </a:r>
+          </a:p>
+          <a:p>
+            <a:endParaRPr lang="en-US" dirty="0"/>
+          </a:p>
+        </p:txBody>
+      </p:sp>
+    </p:spTree>
+  </p:cSld>
+  <p:clrMapOvr>
+    <a:masterClrMapping/>
+  </p:clrMapOvr>
+</p:sld>
+</file>
+
+<file path=ppt/slides/slide6.xml><?xml version="1.0" encoding="utf-8"?>
+<p:sld xmlns:a="http://schemas.openxmlformats.org/drawingml/2006/main" xmlns:r="http://schemas.openxmlformats.org/officeDocument/2006/relationships" xmlns:p="http://schemas.openxmlformats.org/presentationml/2006/main">
+  <p:cSld>
+    <p:spTree>
+      <p:nvGrpSpPr>
+        <p:cNvPr id="1" name=""/>
+        <p:cNvGrpSpPr/>
+        <p:nvPr/>
+      </p:nvGrpSpPr>
+      <p:grpSpPr>
+        <a:xfrm>
+          <a:off x="0" y="0"/>
+          <a:ext cx="0" cy="0"/>
+          <a:chOff x="0" y="0"/>
+          <a:chExt cx="0" cy="0"/>
+        </a:xfrm>
+      </p:grpSpPr>
+      <p:sp>
+        <p:nvSpPr>
+          <p:cNvPr id="2" name="Title 1"/>
+          <p:cNvSpPr>
+            <a:spLocks noGrp="1"/>
+          </p:cNvSpPr>
+          <p:nvPr>
+            <p:ph type="title"/>
+          </p:nvPr>
+        </p:nvSpPr>
+        <p:spPr/>
+        <p:txBody>
+          <a:bodyPr/>
+          <a:lstStyle/>
+          <a:p>
+            <a:endParaRPr lang="en-US"/>
+          </a:p>
+        </p:txBody>
+      </p:sp>
+      <p:sp>
+        <p:nvSpPr>
+          <p:cNvPr id="3" name="Content Placeholder 2"/>
+          <p:cNvSpPr>
+            <a:spLocks noGrp="1"/>
+          </p:cNvSpPr>
+          <p:nvPr>
+            <p:ph idx="1"/>
+          </p:nvPr>
+        </p:nvSpPr>
+        <p:spPr/>
+        <p:txBody>
+          <a:bodyPr/>
+          <a:lstStyle/>
+          <a:p>
+            <a:r>
+              <a:rPr lang="en-US" smtClean="0"/>
+              <a:t>the </a:t>
+            </a:r>
+            <a:r>
+              <a:rPr lang="en-US" dirty="0" smtClean="0"/>
+              <a:t>unreachable objects i.e. it clears the heap memory for all the unreachable objects. All those objects whose marked value is set to false are cleared from the heap memory, for all other objects (reachable objects) the marked bit is set to true.</a:t>
+            </a:r>
+            <a:endParaRPr lang="en-US" dirty="0"/>
+          </a:p>
+        </p:txBody>
+      </p:sp>
+    </p:spTree>
+  </p:cSld>
+  <p:clrMapOvr>
+    <a:masterClrMapping/>
+  </p:clrMapOvr>
+</p:sld>
 </file>
 
 <file path=ppt/theme/theme1.xml><?xml version="1.0" encoding="utf-8"?>
